--- a/presentation.pptx
+++ b/presentation.pptx
@@ -258,7 +258,7 @@
           <a:p>
             <a:fld id="{9D58F9E9-29DE-450B-85BE-D6350D61C24C}" type="datetimeFigureOut">
               <a:rPr lang="en-US" smtClean="0"/>
-              <a:t>5/20/2019</a:t>
+              <a:t>5/21/2019</a:t>
             </a:fld>
             <a:endParaRPr lang="en-US"/>
           </a:p>
@@ -428,7 +428,7 @@
           <a:p>
             <a:fld id="{9D58F9E9-29DE-450B-85BE-D6350D61C24C}" type="datetimeFigureOut">
               <a:rPr lang="en-US" smtClean="0"/>
-              <a:t>5/20/2019</a:t>
+              <a:t>5/21/2019</a:t>
             </a:fld>
             <a:endParaRPr lang="en-US"/>
           </a:p>
@@ -608,7 +608,7 @@
           <a:p>
             <a:fld id="{9D58F9E9-29DE-450B-85BE-D6350D61C24C}" type="datetimeFigureOut">
               <a:rPr lang="en-US" smtClean="0"/>
-              <a:t>5/20/2019</a:t>
+              <a:t>5/21/2019</a:t>
             </a:fld>
             <a:endParaRPr lang="en-US"/>
           </a:p>
@@ -778,7 +778,7 @@
           <a:p>
             <a:fld id="{9D58F9E9-29DE-450B-85BE-D6350D61C24C}" type="datetimeFigureOut">
               <a:rPr lang="en-US" smtClean="0"/>
-              <a:t>5/20/2019</a:t>
+              <a:t>5/21/2019</a:t>
             </a:fld>
             <a:endParaRPr lang="en-US"/>
           </a:p>
@@ -1024,7 +1024,7 @@
           <a:p>
             <a:fld id="{9D58F9E9-29DE-450B-85BE-D6350D61C24C}" type="datetimeFigureOut">
               <a:rPr lang="en-US" smtClean="0"/>
-              <a:t>5/20/2019</a:t>
+              <a:t>5/21/2019</a:t>
             </a:fld>
             <a:endParaRPr lang="en-US"/>
           </a:p>
@@ -1256,7 +1256,7 @@
           <a:p>
             <a:fld id="{9D58F9E9-29DE-450B-85BE-D6350D61C24C}" type="datetimeFigureOut">
               <a:rPr lang="en-US" smtClean="0"/>
-              <a:t>5/20/2019</a:t>
+              <a:t>5/21/2019</a:t>
             </a:fld>
             <a:endParaRPr lang="en-US"/>
           </a:p>
@@ -1623,7 +1623,7 @@
           <a:p>
             <a:fld id="{9D58F9E9-29DE-450B-85BE-D6350D61C24C}" type="datetimeFigureOut">
               <a:rPr lang="en-US" smtClean="0"/>
-              <a:t>5/20/2019</a:t>
+              <a:t>5/21/2019</a:t>
             </a:fld>
             <a:endParaRPr lang="en-US"/>
           </a:p>
@@ -1741,7 +1741,7 @@
           <a:p>
             <a:fld id="{9D58F9E9-29DE-450B-85BE-D6350D61C24C}" type="datetimeFigureOut">
               <a:rPr lang="en-US" smtClean="0"/>
-              <a:t>5/20/2019</a:t>
+              <a:t>5/21/2019</a:t>
             </a:fld>
             <a:endParaRPr lang="en-US"/>
           </a:p>
@@ -1836,7 +1836,7 @@
           <a:p>
             <a:fld id="{9D58F9E9-29DE-450B-85BE-D6350D61C24C}" type="datetimeFigureOut">
               <a:rPr lang="en-US" smtClean="0"/>
-              <a:t>5/20/2019</a:t>
+              <a:t>5/21/2019</a:t>
             </a:fld>
             <a:endParaRPr lang="en-US"/>
           </a:p>
@@ -2113,7 +2113,7 @@
           <a:p>
             <a:fld id="{9D58F9E9-29DE-450B-85BE-D6350D61C24C}" type="datetimeFigureOut">
               <a:rPr lang="en-US" smtClean="0"/>
-              <a:t>5/20/2019</a:t>
+              <a:t>5/21/2019</a:t>
             </a:fld>
             <a:endParaRPr lang="en-US"/>
           </a:p>
@@ -2366,7 +2366,7 @@
           <a:p>
             <a:fld id="{9D58F9E9-29DE-450B-85BE-D6350D61C24C}" type="datetimeFigureOut">
               <a:rPr lang="en-US" smtClean="0"/>
-              <a:t>5/20/2019</a:t>
+              <a:t>5/21/2019</a:t>
             </a:fld>
             <a:endParaRPr lang="en-US"/>
           </a:p>
@@ -2579,7 +2579,7 @@
           <a:p>
             <a:fld id="{9D58F9E9-29DE-450B-85BE-D6350D61C24C}" type="datetimeFigureOut">
               <a:rPr lang="en-US" smtClean="0"/>
-              <a:t>5/20/2019</a:t>
+              <a:t>5/21/2019</a:t>
             </a:fld>
             <a:endParaRPr lang="en-US"/>
           </a:p>
@@ -4674,207 +4674,6 @@
           </a:prstGeom>
         </p:spPr>
       </p:pic>
-      <p:sp>
-        <p:nvSpPr>
-          <p:cNvPr id="9" name="Subtitle 2"/>
-          <p:cNvSpPr txBox="1">
-            <a:spLocks/>
-          </p:cNvSpPr>
-          <p:nvPr/>
-        </p:nvSpPr>
-        <p:spPr>
-          <a:xfrm>
-            <a:off x="609600" y="1946503"/>
-            <a:ext cx="3265065" cy="427221"/>
-          </a:xfrm>
-          <a:prstGeom prst="rect">
-            <a:avLst/>
-          </a:prstGeom>
-        </p:spPr>
-        <p:txBody>
-          <a:bodyPr vert="horz" lIns="91440" tIns="45720" rIns="91440" bIns="45720" rtlCol="0">
-            <a:noAutofit/>
-          </a:bodyPr>
-          <a:lstStyle>
-            <a:lvl1pPr marL="0" indent="0" algn="ctr" defTabSz="914400" rtl="0" eaLnBrk="1" latinLnBrk="0" hangingPunct="1">
-              <a:lnSpc>
-                <a:spcPct val="90000"/>
-              </a:lnSpc>
-              <a:spcBef>
-                <a:spcPts val="1000"/>
-              </a:spcBef>
-              <a:buFont typeface="Arial" panose="020B0604020202020204" pitchFamily="34" charset="0"/>
-              <a:buNone/>
-              <a:defRPr sz="2400" kern="1200">
-                <a:solidFill>
-                  <a:schemeClr val="tx1"/>
-                </a:solidFill>
-                <a:latin typeface="+mn-lt"/>
-                <a:ea typeface="+mn-ea"/>
-                <a:cs typeface="+mn-cs"/>
-              </a:defRPr>
-            </a:lvl1pPr>
-            <a:lvl2pPr marL="457200" indent="0" algn="ctr" defTabSz="914400" rtl="0" eaLnBrk="1" latinLnBrk="0" hangingPunct="1">
-              <a:lnSpc>
-                <a:spcPct val="90000"/>
-              </a:lnSpc>
-              <a:spcBef>
-                <a:spcPts val="500"/>
-              </a:spcBef>
-              <a:buFont typeface="Arial" panose="020B0604020202020204" pitchFamily="34" charset="0"/>
-              <a:buNone/>
-              <a:defRPr sz="2000" kern="1200">
-                <a:solidFill>
-                  <a:schemeClr val="tx1"/>
-                </a:solidFill>
-                <a:latin typeface="+mn-lt"/>
-                <a:ea typeface="+mn-ea"/>
-                <a:cs typeface="+mn-cs"/>
-              </a:defRPr>
-            </a:lvl2pPr>
-            <a:lvl3pPr marL="914400" indent="0" algn="ctr" defTabSz="914400" rtl="0" eaLnBrk="1" latinLnBrk="0" hangingPunct="1">
-              <a:lnSpc>
-                <a:spcPct val="90000"/>
-              </a:lnSpc>
-              <a:spcBef>
-                <a:spcPts val="500"/>
-              </a:spcBef>
-              <a:buFont typeface="Arial" panose="020B0604020202020204" pitchFamily="34" charset="0"/>
-              <a:buNone/>
-              <a:defRPr sz="1800" kern="1200">
-                <a:solidFill>
-                  <a:schemeClr val="tx1"/>
-                </a:solidFill>
-                <a:latin typeface="+mn-lt"/>
-                <a:ea typeface="+mn-ea"/>
-                <a:cs typeface="+mn-cs"/>
-              </a:defRPr>
-            </a:lvl3pPr>
-            <a:lvl4pPr marL="1371600" indent="0" algn="ctr" defTabSz="914400" rtl="0" eaLnBrk="1" latinLnBrk="0" hangingPunct="1">
-              <a:lnSpc>
-                <a:spcPct val="90000"/>
-              </a:lnSpc>
-              <a:spcBef>
-                <a:spcPts val="500"/>
-              </a:spcBef>
-              <a:buFont typeface="Arial" panose="020B0604020202020204" pitchFamily="34" charset="0"/>
-              <a:buNone/>
-              <a:defRPr sz="1600" kern="1200">
-                <a:solidFill>
-                  <a:schemeClr val="tx1"/>
-                </a:solidFill>
-                <a:latin typeface="+mn-lt"/>
-                <a:ea typeface="+mn-ea"/>
-                <a:cs typeface="+mn-cs"/>
-              </a:defRPr>
-            </a:lvl4pPr>
-            <a:lvl5pPr marL="1828800" indent="0" algn="ctr" defTabSz="914400" rtl="0" eaLnBrk="1" latinLnBrk="0" hangingPunct="1">
-              <a:lnSpc>
-                <a:spcPct val="90000"/>
-              </a:lnSpc>
-              <a:spcBef>
-                <a:spcPts val="500"/>
-              </a:spcBef>
-              <a:buFont typeface="Arial" panose="020B0604020202020204" pitchFamily="34" charset="0"/>
-              <a:buNone/>
-              <a:defRPr sz="1600" kern="1200">
-                <a:solidFill>
-                  <a:schemeClr val="tx1"/>
-                </a:solidFill>
-                <a:latin typeface="+mn-lt"/>
-                <a:ea typeface="+mn-ea"/>
-                <a:cs typeface="+mn-cs"/>
-              </a:defRPr>
-            </a:lvl5pPr>
-            <a:lvl6pPr marL="2286000" indent="0" algn="ctr" defTabSz="914400" rtl="0" eaLnBrk="1" latinLnBrk="0" hangingPunct="1">
-              <a:lnSpc>
-                <a:spcPct val="90000"/>
-              </a:lnSpc>
-              <a:spcBef>
-                <a:spcPts val="500"/>
-              </a:spcBef>
-              <a:buFont typeface="Arial" panose="020B0604020202020204" pitchFamily="34" charset="0"/>
-              <a:buNone/>
-              <a:defRPr sz="1600" kern="1200">
-                <a:solidFill>
-                  <a:schemeClr val="tx1"/>
-                </a:solidFill>
-                <a:latin typeface="+mn-lt"/>
-                <a:ea typeface="+mn-ea"/>
-                <a:cs typeface="+mn-cs"/>
-              </a:defRPr>
-            </a:lvl6pPr>
-            <a:lvl7pPr marL="2743200" indent="0" algn="ctr" defTabSz="914400" rtl="0" eaLnBrk="1" latinLnBrk="0" hangingPunct="1">
-              <a:lnSpc>
-                <a:spcPct val="90000"/>
-              </a:lnSpc>
-              <a:spcBef>
-                <a:spcPts val="500"/>
-              </a:spcBef>
-              <a:buFont typeface="Arial" panose="020B0604020202020204" pitchFamily="34" charset="0"/>
-              <a:buNone/>
-              <a:defRPr sz="1600" kern="1200">
-                <a:solidFill>
-                  <a:schemeClr val="tx1"/>
-                </a:solidFill>
-                <a:latin typeface="+mn-lt"/>
-                <a:ea typeface="+mn-ea"/>
-                <a:cs typeface="+mn-cs"/>
-              </a:defRPr>
-            </a:lvl7pPr>
-            <a:lvl8pPr marL="3200400" indent="0" algn="ctr" defTabSz="914400" rtl="0" eaLnBrk="1" latinLnBrk="0" hangingPunct="1">
-              <a:lnSpc>
-                <a:spcPct val="90000"/>
-              </a:lnSpc>
-              <a:spcBef>
-                <a:spcPts val="500"/>
-              </a:spcBef>
-              <a:buFont typeface="Arial" panose="020B0604020202020204" pitchFamily="34" charset="0"/>
-              <a:buNone/>
-              <a:defRPr sz="1600" kern="1200">
-                <a:solidFill>
-                  <a:schemeClr val="tx1"/>
-                </a:solidFill>
-                <a:latin typeface="+mn-lt"/>
-                <a:ea typeface="+mn-ea"/>
-                <a:cs typeface="+mn-cs"/>
-              </a:defRPr>
-            </a:lvl8pPr>
-            <a:lvl9pPr marL="3657600" indent="0" algn="ctr" defTabSz="914400" rtl="0" eaLnBrk="1" latinLnBrk="0" hangingPunct="1">
-              <a:lnSpc>
-                <a:spcPct val="90000"/>
-              </a:lnSpc>
-              <a:spcBef>
-                <a:spcPts val="500"/>
-              </a:spcBef>
-              <a:buFont typeface="Arial" panose="020B0604020202020204" pitchFamily="34" charset="0"/>
-              <a:buNone/>
-              <a:defRPr sz="1600" kern="1200">
-                <a:solidFill>
-                  <a:schemeClr val="tx1"/>
-                </a:solidFill>
-                <a:latin typeface="+mn-lt"/>
-                <a:ea typeface="+mn-ea"/>
-                <a:cs typeface="+mn-cs"/>
-              </a:defRPr>
-            </a:lvl9pPr>
-          </a:lstStyle>
-          <a:p>
-            <a:pPr algn="l"/>
-            <a:r>
-              <a:rPr lang="en-US" sz="2000" dirty="0" smtClean="0">
-                <a:solidFill>
-                  <a:schemeClr val="tx1">
-                    <a:lumMod val="65000"/>
-                    <a:lumOff val="35000"/>
-                  </a:schemeClr>
-                </a:solidFill>
-              </a:rPr>
-              <a:t>Data Source: Yelp API</a:t>
-            </a:r>
-          </a:p>
-        </p:txBody>
-      </p:sp>
     </p:spTree>
     <p:extLst>
       <p:ext uri="{BB962C8B-B14F-4D97-AF65-F5344CB8AC3E}">
